--- a/Presentation1.pptx
+++ b/Presentation1.pptx
@@ -5,16 +5,21 @@
     <p:sldMasterId id="2147483648" r:id="rId1"/>
   </p:sldMasterIdLst>
   <p:notesMasterIdLst>
-    <p:notesMasterId r:id="rId7"/>
+    <p:notesMasterId r:id="rId12"/>
   </p:notesMasterIdLst>
   <p:handoutMasterIdLst>
-    <p:handoutMasterId r:id="rId8"/>
+    <p:handoutMasterId r:id="rId13"/>
   </p:handoutMasterIdLst>
   <p:sldIdLst>
-    <p:sldId id="256" r:id="rId3"/>
-    <p:sldId id="257" r:id="rId4"/>
-    <p:sldId id="258" r:id="rId5"/>
-    <p:sldId id="259" r:id="rId6"/>
+    <p:sldId id="260" r:id="rId3"/>
+    <p:sldId id="262" r:id="rId4"/>
+    <p:sldId id="263" r:id="rId5"/>
+    <p:sldId id="261" r:id="rId6"/>
+    <p:sldId id="265" r:id="rId7"/>
+    <p:sldId id="256" r:id="rId8"/>
+    <p:sldId id="257" r:id="rId9"/>
+    <p:sldId id="258" r:id="rId10"/>
+    <p:sldId id="259" r:id="rId11"/>
   </p:sldIdLst>
   <p:sldSz cx="12192000" cy="6858000"/>
   <p:notesSz cx="7103745" cy="10234295"/>
@@ -3273,7 +3278,7 @@
         <a:spcBef>
           <a:spcPts val="1000"/>
         </a:spcBef>
-        <a:buFont typeface="Arial" panose="020B0604020202020204" pitchFamily="34" charset="0"/>
+        <a:buFont typeface="Arial" panose="02080604020202020204" pitchFamily="34" charset="0"/>
         <a:buChar char="•"/>
         <a:defRPr sz="2400" kern="1200">
           <a:solidFill>
@@ -3291,7 +3296,7 @@
         <a:spcBef>
           <a:spcPts val="500"/>
         </a:spcBef>
-        <a:buFont typeface="Arial" panose="020B0604020202020204" pitchFamily="34" charset="0"/>
+        <a:buFont typeface="Arial" panose="02080604020202020204" pitchFamily="34" charset="0"/>
         <a:buChar char="•"/>
         <a:defRPr sz="2000" kern="1200">
           <a:solidFill>
@@ -3309,7 +3314,7 @@
         <a:spcBef>
           <a:spcPts val="500"/>
         </a:spcBef>
-        <a:buFont typeface="Arial" panose="020B0604020202020204" pitchFamily="34" charset="0"/>
+        <a:buFont typeface="Arial" panose="02080604020202020204" pitchFamily="34" charset="0"/>
         <a:buChar char="•"/>
         <a:defRPr sz="1800" kern="1200">
           <a:solidFill>
@@ -3327,7 +3332,7 @@
         <a:spcBef>
           <a:spcPts val="500"/>
         </a:spcBef>
-        <a:buFont typeface="Arial" panose="020B0604020202020204" pitchFamily="34" charset="0"/>
+        <a:buFont typeface="Arial" panose="02080604020202020204" pitchFamily="34" charset="0"/>
         <a:buChar char="•"/>
         <a:defRPr sz="1800" kern="1200">
           <a:solidFill>
@@ -3345,7 +3350,7 @@
         <a:spcBef>
           <a:spcPts val="500"/>
         </a:spcBef>
-        <a:buFont typeface="Arial" panose="020B0604020202020204" pitchFamily="34" charset="0"/>
+        <a:buFont typeface="Arial" panose="02080604020202020204" pitchFamily="34" charset="0"/>
         <a:buChar char="•"/>
         <a:defRPr sz="1800" kern="1200">
           <a:solidFill>
@@ -3363,7 +3368,7 @@
         <a:spcBef>
           <a:spcPts val="500"/>
         </a:spcBef>
-        <a:buFont typeface="Arial" panose="020B0604020202020204" pitchFamily="34" charset="0"/>
+        <a:buFont typeface="Arial" panose="02080604020202020204" pitchFamily="34" charset="0"/>
         <a:buChar char="•"/>
         <a:defRPr sz="1800" kern="1200">
           <a:solidFill>
@@ -3381,7 +3386,7 @@
         <a:spcBef>
           <a:spcPts val="500"/>
         </a:spcBef>
-        <a:buFont typeface="Arial" panose="020B0604020202020204" pitchFamily="34" charset="0"/>
+        <a:buFont typeface="Arial" panose="02080604020202020204" pitchFamily="34" charset="0"/>
         <a:buChar char="•"/>
         <a:defRPr sz="1800" kern="1200">
           <a:solidFill>
@@ -3399,7 +3404,7 @@
         <a:spcBef>
           <a:spcPts val="500"/>
         </a:spcBef>
-        <a:buFont typeface="Arial" panose="020B0604020202020204" pitchFamily="34" charset="0"/>
+        <a:buFont typeface="Arial" panose="02080604020202020204" pitchFamily="34" charset="0"/>
         <a:buChar char="•"/>
         <a:defRPr sz="1800" kern="1200">
           <a:solidFill>
@@ -3417,7 +3422,7 @@
         <a:spcBef>
           <a:spcPts val="500"/>
         </a:spcBef>
-        <a:buFont typeface="Arial" panose="020B0604020202020204" pitchFamily="34" charset="0"/>
+        <a:buFont typeface="Arial" panose="02080604020202020204" pitchFamily="34" charset="0"/>
         <a:buChar char="•"/>
         <a:defRPr sz="1800" kern="1200">
           <a:solidFill>
@@ -3538,6 +3543,273 @@
         <p:nvPr/>
       </p:nvGrpSpPr>
       <p:grpSpPr/>
+      <p:sp>
+        <p:nvSpPr>
+          <p:cNvPr id="8" name="Text Box 7"/>
+          <p:cNvSpPr txBox="1"/>
+          <p:nvPr/>
+        </p:nvSpPr>
+        <p:spPr>
+          <a:xfrm>
+            <a:off x="323215" y="773430"/>
+            <a:ext cx="3855085" cy="1476375"/>
+          </a:xfrm>
+          <a:prstGeom prst="rect">
+            <a:avLst/>
+          </a:prstGeom>
+          <a:noFill/>
+        </p:spPr>
+        <p:txBody>
+          <a:bodyPr wrap="square" rtlCol="0">
+            <a:spAutoFit/>
+          </a:bodyPr>
+          <a:p>
+            <a:r>
+              <a:t>PyQt</a:t>
+            </a:r>
+            <a:r>
+              <a:rPr lang="zh-CN"/>
+              <a:t>：</a:t>
+            </a:r>
+            <a:r>
+              <a:t>是Python语言的GUI编程解决方案之一。可以用来代替Python内置的Tkinter。其它替代者还有PyGTK、wxPython等。与Qt一样，PyQt是一个自由软件。</a:t>
+            </a:r>
+            <a:endParaRPr lang="zh-CN" altLang="en-US"/>
+          </a:p>
+        </p:txBody>
+      </p:sp>
+      <p:pic>
+        <p:nvPicPr>
+          <p:cNvPr id="9" name="Picture 8"/>
+          <p:cNvPicPr>
+            <a:picLocks noChangeAspect="1"/>
+          </p:cNvPicPr>
+          <p:nvPr/>
+        </p:nvPicPr>
+        <p:blipFill>
+          <a:blip r:embed="rId1"/>
+          <a:stretch>
+            <a:fillRect/>
+          </a:stretch>
+        </p:blipFill>
+        <p:spPr>
+          <a:xfrm>
+            <a:off x="4705350" y="468630"/>
+            <a:ext cx="6700520" cy="4135755"/>
+          </a:xfrm>
+          <a:prstGeom prst="rect">
+            <a:avLst/>
+          </a:prstGeom>
+        </p:spPr>
+      </p:pic>
+      <p:pic>
+        <p:nvPicPr>
+          <p:cNvPr id="10" name="Picture 9"/>
+          <p:cNvPicPr>
+            <a:picLocks noChangeAspect="1"/>
+          </p:cNvPicPr>
+          <p:nvPr/>
+        </p:nvPicPr>
+        <p:blipFill>
+          <a:blip r:embed="rId2"/>
+          <a:stretch>
+            <a:fillRect/>
+          </a:stretch>
+        </p:blipFill>
+        <p:spPr>
+          <a:xfrm>
+            <a:off x="744220" y="2901950"/>
+            <a:ext cx="3013710" cy="3141980"/>
+          </a:xfrm>
+          <a:prstGeom prst="rect">
+            <a:avLst/>
+          </a:prstGeom>
+        </p:spPr>
+      </p:pic>
+      <p:sp>
+        <p:nvSpPr>
+          <p:cNvPr id="11" name="Text Box 10"/>
+          <p:cNvSpPr txBox="1"/>
+          <p:nvPr/>
+        </p:nvSpPr>
+        <p:spPr>
+          <a:xfrm>
+            <a:off x="6580505" y="5222240"/>
+            <a:ext cx="3597275" cy="368300"/>
+          </a:xfrm>
+          <a:prstGeom prst="rect">
+            <a:avLst/>
+          </a:prstGeom>
+          <a:noFill/>
+        </p:spPr>
+        <p:txBody>
+          <a:bodyPr wrap="square" rtlCol="0">
+            <a:spAutoFit/>
+          </a:bodyPr>
+          <a:p>
+            <a:r>
+              <a:rPr lang="zh-CN" altLang="en-US"/>
+              <a:t>许可协议：GNU GPL和商业授权</a:t>
+            </a:r>
+            <a:endParaRPr lang="zh-CN" altLang="en-US"/>
+          </a:p>
+        </p:txBody>
+      </p:sp>
+    </p:spTree>
+  </p:cSld>
+  <p:clrMapOvr>
+    <a:masterClrMapping/>
+  </p:clrMapOvr>
+</p:sld>
+</file>
+
+<file path=ppt/slides/slide2.xml><?xml version="1.0" encoding="utf-8"?>
+<p:sld xmlns:a="http://schemas.openxmlformats.org/drawingml/2006/main" xmlns:r="http://schemas.openxmlformats.org/officeDocument/2006/relationships" xmlns:p="http://schemas.openxmlformats.org/presentationml/2006/main">
+  <p:cSld>
+    <p:spTree>
+      <p:nvGrpSpPr>
+        <p:cNvPr id="1" name=""/>
+        <p:cNvGrpSpPr/>
+        <p:nvPr/>
+      </p:nvGrpSpPr>
+      <p:grpSpPr/>
+      <p:sp>
+        <p:nvSpPr>
+          <p:cNvPr id="4" name="Text Box 3"/>
+          <p:cNvSpPr txBox="1"/>
+          <p:nvPr/>
+        </p:nvSpPr>
+        <p:spPr>
+          <a:xfrm>
+            <a:off x="387350" y="919480"/>
+            <a:ext cx="3740150" cy="1198880"/>
+          </a:xfrm>
+          <a:prstGeom prst="rect">
+            <a:avLst/>
+          </a:prstGeom>
+          <a:noFill/>
+        </p:spPr>
+        <p:txBody>
+          <a:bodyPr wrap="square" rtlCol="0">
+            <a:spAutoFit/>
+          </a:bodyPr>
+          <a:p>
+            <a:r>
+              <a:rPr lang="en-US"/>
+              <a:t>NumPy是Python语言的一个扩展程序库。支持高阶大量的维度数组与矩阵运算，此外也针对数组运算提供大量的数学函数库。</a:t>
+            </a:r>
+            <a:endParaRPr lang="en-US"/>
+          </a:p>
+        </p:txBody>
+      </p:sp>
+      <p:pic>
+        <p:nvPicPr>
+          <p:cNvPr id="6" name="Picture 5"/>
+          <p:cNvPicPr>
+            <a:picLocks noChangeAspect="1"/>
+          </p:cNvPicPr>
+          <p:nvPr/>
+        </p:nvPicPr>
+        <p:blipFill>
+          <a:blip r:embed="rId1"/>
+          <a:stretch>
+            <a:fillRect/>
+          </a:stretch>
+        </p:blipFill>
+        <p:spPr>
+          <a:xfrm>
+            <a:off x="2224405" y="1688465"/>
+            <a:ext cx="9514840" cy="4281805"/>
+          </a:xfrm>
+          <a:prstGeom prst="rect">
+            <a:avLst/>
+          </a:prstGeom>
+        </p:spPr>
+      </p:pic>
+      <p:sp>
+        <p:nvSpPr>
+          <p:cNvPr id="11" name="Text Box 10"/>
+          <p:cNvSpPr txBox="1"/>
+          <p:nvPr/>
+        </p:nvSpPr>
+        <p:spPr>
+          <a:xfrm>
+            <a:off x="3698875" y="6080760"/>
+            <a:ext cx="2309495" cy="368300"/>
+          </a:xfrm>
+          <a:prstGeom prst="rect">
+            <a:avLst/>
+          </a:prstGeom>
+          <a:noFill/>
+        </p:spPr>
+        <p:txBody>
+          <a:bodyPr wrap="square" rtlCol="0">
+            <a:spAutoFit/>
+          </a:bodyPr>
+          <a:p>
+            <a:r>
+              <a:rPr lang="zh-CN" altLang="en-US"/>
+              <a:t>许可协议：</a:t>
+            </a:r>
+            <a:r>
+              <a:rPr lang="en-US" altLang="zh-CN"/>
+              <a:t>BSD</a:t>
+            </a:r>
+            <a:r>
+              <a:rPr lang="zh-CN" altLang="en-US"/>
+              <a:t>协议</a:t>
+            </a:r>
+            <a:endParaRPr lang="zh-CN" altLang="en-US"/>
+          </a:p>
+        </p:txBody>
+      </p:sp>
+    </p:spTree>
+  </p:cSld>
+  <p:clrMapOvr>
+    <a:masterClrMapping/>
+  </p:clrMapOvr>
+</p:sld>
+</file>
+
+<file path=ppt/slides/slide3.xml><?xml version="1.0" encoding="utf-8"?>
+<p:sld xmlns:a="http://schemas.openxmlformats.org/drawingml/2006/main" xmlns:r="http://schemas.openxmlformats.org/officeDocument/2006/relationships" xmlns:p="http://schemas.openxmlformats.org/presentationml/2006/main">
+  <p:cSld>
+    <p:spTree>
+      <p:nvGrpSpPr>
+        <p:cNvPr id="1" name=""/>
+        <p:cNvGrpSpPr/>
+        <p:nvPr/>
+      </p:nvGrpSpPr>
+      <p:grpSpPr/>
+      <p:sp>
+        <p:nvSpPr>
+          <p:cNvPr id="2" name="Text Box 1"/>
+          <p:cNvSpPr txBox="1"/>
+          <p:nvPr/>
+        </p:nvSpPr>
+        <p:spPr>
+          <a:xfrm>
+            <a:off x="653415" y="950595"/>
+            <a:ext cx="3893185" cy="1198880"/>
+          </a:xfrm>
+          <a:prstGeom prst="rect">
+            <a:avLst/>
+          </a:prstGeom>
+          <a:noFill/>
+        </p:spPr>
+        <p:txBody>
+          <a:bodyPr wrap="square" rtlCol="0">
+            <a:spAutoFit/>
+          </a:bodyPr>
+          <a:p>
+            <a:r>
+              <a:rPr lang="en-US"/>
+              <a:t>在计算机编程中，pandas是Python编程语言的用于数据操纵和分析的软件库。特别是，它提供操纵数值表格和时间序列的数据结构和运算操作。</a:t>
+            </a:r>
+            <a:endParaRPr lang="en-US"/>
+          </a:p>
+        </p:txBody>
+      </p:sp>
       <p:pic>
         <p:nvPicPr>
           <p:cNvPr id="4" name="Picture 3"/>
@@ -3554,8 +3826,8 @@
         </p:blipFill>
         <p:spPr>
           <a:xfrm>
-            <a:off x="492760" y="429895"/>
-            <a:ext cx="6932930" cy="5998210"/>
+            <a:off x="3004820" y="1840865"/>
+            <a:ext cx="8622665" cy="3484880"/>
           </a:xfrm>
           <a:prstGeom prst="rect">
             <a:avLst/>
@@ -3564,14 +3836,14 @@
       </p:pic>
       <p:sp>
         <p:nvSpPr>
-          <p:cNvPr id="5" name="Text Box 4"/>
+          <p:cNvPr id="6" name="Text Box 5"/>
           <p:cNvSpPr txBox="1"/>
           <p:nvPr/>
         </p:nvSpPr>
         <p:spPr>
           <a:xfrm>
-            <a:off x="7971155" y="551815"/>
-            <a:ext cx="3924935" cy="2030095"/>
+            <a:off x="3698875" y="6080760"/>
+            <a:ext cx="2738755" cy="368300"/>
           </a:xfrm>
           <a:prstGeom prst="rect">
             <a:avLst/>
@@ -3584,126 +3856,18 @@
           </a:bodyPr>
           <a:p>
             <a:r>
-              <a:rPr lang="zh-CN" altLang="en-US" b="1"/>
-              <a:t>主欢迎界面</a:t>
-            </a:r>
-            <a:endParaRPr lang="zh-CN" altLang="en-US" b="1"/>
-          </a:p>
-          <a:p>
-            <a:pPr marL="285750" indent="-285750">
-              <a:buFont typeface="Wingdings" panose="05000000000000000000" charset="0"/>
-              <a:buChar char="l"/>
-            </a:pPr>
-            <a:r>
               <a:rPr lang="zh-CN" altLang="en-US"/>
-              <a:t>左侧</a:t>
+              <a:t>许可协议：新</a:t>
             </a:r>
             <a:r>
               <a:rPr lang="en-US" altLang="zh-CN"/>
-              <a:t>1</a:t>
+              <a:t>BSD</a:t>
             </a:r>
             <a:r>
               <a:rPr lang="zh-CN" altLang="en-US"/>
-              <a:t>区为模块选择区域，选择进入指定的模块后单击进入按钮即可打开相应的模块。</a:t>
-            </a:r>
-            <a:endParaRPr lang="zh-CN" altLang="en-US"/>
-          </a:p>
-          <a:p>
-            <a:pPr marL="285750" indent="-285750">
-              <a:buFont typeface="Wingdings" panose="05000000000000000000" charset="0"/>
-              <a:buChar char="l"/>
-            </a:pPr>
-            <a:r>
-              <a:rPr lang="zh-CN" altLang="en-US"/>
-              <a:t>右侧</a:t>
-            </a:r>
-            <a:r>
-              <a:rPr lang="en-US" altLang="zh-CN"/>
-              <a:t>2</a:t>
-            </a:r>
-            <a:r>
-              <a:rPr lang="zh-CN" altLang="zh-CN"/>
-              <a:t>区</a:t>
-            </a:r>
-            <a:r>
-              <a:rPr lang="zh-CN" altLang="en-US"/>
-              <a:t>为模块说明区域，选择特定的模块，右侧便会有对应的文字介绍使用说明等内容。</a:t>
-            </a:r>
-            <a:endParaRPr lang="zh-CN" altLang="en-US"/>
-          </a:p>
-        </p:txBody>
-      </p:sp>
-      <p:sp>
-        <p:nvSpPr>
-          <p:cNvPr id="3" name="文本框 2"/>
-          <p:cNvSpPr txBox="1"/>
-          <p:nvPr/>
-        </p:nvSpPr>
-        <p:spPr>
-          <a:xfrm>
-            <a:off x="1149985" y="2705735"/>
-            <a:ext cx="694055" cy="675640"/>
-          </a:xfrm>
-          <a:prstGeom prst="rect">
-            <a:avLst/>
-          </a:prstGeom>
-          <a:noFill/>
-        </p:spPr>
-        <p:txBody>
-          <a:bodyPr wrap="square" rtlCol="0">
-            <a:spAutoFit/>
-          </a:bodyPr>
-          <a:p>
-            <a:r>
-              <a:rPr lang="en-US" altLang="zh-CN" sz="3800">
-                <a:solidFill>
-                  <a:srgbClr val="FF0000"/>
-                </a:solidFill>
-              </a:rPr>
-              <a:t>1</a:t>
-            </a:r>
-            <a:endParaRPr lang="en-US" altLang="zh-CN" sz="3800">
-              <a:solidFill>
-                <a:srgbClr val="FF0000"/>
-              </a:solidFill>
-            </a:endParaRPr>
-          </a:p>
-        </p:txBody>
-      </p:sp>
-      <p:sp>
-        <p:nvSpPr>
-          <p:cNvPr id="6" name="文本框 5"/>
-          <p:cNvSpPr txBox="1"/>
-          <p:nvPr/>
-        </p:nvSpPr>
-        <p:spPr>
-          <a:xfrm>
-            <a:off x="4016375" y="1906270"/>
-            <a:ext cx="694055" cy="675640"/>
-          </a:xfrm>
-          <a:prstGeom prst="rect">
-            <a:avLst/>
-          </a:prstGeom>
-          <a:noFill/>
-        </p:spPr>
-        <p:txBody>
-          <a:bodyPr wrap="square" rtlCol="0">
-            <a:spAutoFit/>
-          </a:bodyPr>
-          <a:p>
-            <a:r>
-              <a:rPr lang="en-US" altLang="zh-CN" sz="3800">
-                <a:solidFill>
-                  <a:srgbClr val="FF0000"/>
-                </a:solidFill>
-              </a:rPr>
-              <a:t>2</a:t>
-            </a:r>
-            <a:endParaRPr lang="en-US" altLang="zh-CN" sz="3800">
-              <a:solidFill>
-                <a:srgbClr val="FF0000"/>
-              </a:solidFill>
-            </a:endParaRPr>
+              <a:t>协议</a:t>
+            </a:r>
+            <a:endParaRPr lang="zh-CN" altLang="en-US"/>
           </a:p>
         </p:txBody>
       </p:sp>
@@ -3715,7 +3879,373 @@
 </p:sld>
 </file>
 
-<file path=ppt/slides/slide2.xml><?xml version="1.0" encoding="utf-8"?>
+<file path=ppt/slides/slide4.xml><?xml version="1.0" encoding="utf-8"?>
+<p:sld xmlns:a="http://schemas.openxmlformats.org/drawingml/2006/main" xmlns:r="http://schemas.openxmlformats.org/officeDocument/2006/relationships" xmlns:p="http://schemas.openxmlformats.org/presentationml/2006/main">
+  <p:cSld>
+    <p:spTree>
+      <p:nvGrpSpPr>
+        <p:cNvPr id="1" name=""/>
+        <p:cNvGrpSpPr/>
+        <p:nvPr/>
+      </p:nvGrpSpPr>
+      <p:grpSpPr/>
+      <p:sp>
+        <p:nvSpPr>
+          <p:cNvPr id="2" name="Text Box 1"/>
+          <p:cNvSpPr txBox="1"/>
+          <p:nvPr/>
+        </p:nvSpPr>
+        <p:spPr>
+          <a:xfrm>
+            <a:off x="724535" y="674370"/>
+            <a:ext cx="4945380" cy="2306955"/>
+          </a:xfrm>
+          <a:prstGeom prst="rect">
+            <a:avLst/>
+          </a:prstGeom>
+          <a:noFill/>
+        </p:spPr>
+        <p:txBody>
+          <a:bodyPr wrap="square" rtlCol="0">
+            <a:spAutoFit/>
+          </a:bodyPr>
+          <a:p>
+            <a:r>
+              <a:rPr lang="en-US"/>
+              <a:t>matplotlib是Python语言及其数值计算库NumPy的绘图库。它提供了一个面向对象的API，用于使用通用GUI工具包（如Tkinter、wxPython、Qt或GTK）将绘图嵌入到应用程序中。它还有一个基于状态机（如OpenGL）的过程式编程“pylab”接口，其设计与MATLAB非常类似，但不推荐使用。SciPy使用matplotlib进行图形绘制。</a:t>
+            </a:r>
+            <a:endParaRPr lang="en-US"/>
+          </a:p>
+        </p:txBody>
+      </p:sp>
+      <p:pic>
+        <p:nvPicPr>
+          <p:cNvPr id="3" name="Picture 2"/>
+          <p:cNvPicPr>
+            <a:picLocks noChangeAspect="1"/>
+          </p:cNvPicPr>
+          <p:nvPr/>
+        </p:nvPicPr>
+        <p:blipFill>
+          <a:blip r:embed="rId1"/>
+          <a:stretch>
+            <a:fillRect/>
+          </a:stretch>
+        </p:blipFill>
+        <p:spPr>
+          <a:xfrm>
+            <a:off x="6189345" y="1335405"/>
+            <a:ext cx="5249545" cy="4186555"/>
+          </a:xfrm>
+          <a:prstGeom prst="rect">
+            <a:avLst/>
+          </a:prstGeom>
+        </p:spPr>
+      </p:pic>
+    </p:spTree>
+  </p:cSld>
+  <p:clrMapOvr>
+    <a:masterClrMapping/>
+  </p:clrMapOvr>
+</p:sld>
+</file>
+
+<file path=ppt/slides/slide5.xml><?xml version="1.0" encoding="utf-8"?>
+<p:sld xmlns:a="http://schemas.openxmlformats.org/drawingml/2006/main" xmlns:r="http://schemas.openxmlformats.org/officeDocument/2006/relationships" xmlns:p="http://schemas.openxmlformats.org/presentationml/2006/main">
+  <p:cSld>
+    <p:spTree>
+      <p:nvGrpSpPr>
+        <p:cNvPr id="1" name=""/>
+        <p:cNvGrpSpPr/>
+        <p:nvPr/>
+      </p:nvGrpSpPr>
+      <p:grpSpPr/>
+      <p:sp>
+        <p:nvSpPr>
+          <p:cNvPr id="2" name="Text Box 1"/>
+          <p:cNvSpPr txBox="1"/>
+          <p:nvPr/>
+        </p:nvSpPr>
+        <p:spPr>
+          <a:xfrm>
+            <a:off x="653415" y="950595"/>
+            <a:ext cx="3893185" cy="1753235"/>
+          </a:xfrm>
+          <a:prstGeom prst="rect">
+            <a:avLst/>
+          </a:prstGeom>
+          <a:noFill/>
+        </p:spPr>
+        <p:txBody>
+          <a:bodyPr wrap="square" rtlCol="0">
+            <a:spAutoFit/>
+          </a:bodyPr>
+          <a:p>
+            <a:r>
+              <a:rPr lang="en-US"/>
+              <a:t>SciPy包含的模块有最优化、线性代数、积分、插值、特殊函数、快速傅里叶变换、信号处理和图像处理、常微分方程求解和其他科学与工程中常用的计算。与其功能相类似的软件还有MATLAB、GNU Octave和Scilab。</a:t>
+            </a:r>
+            <a:endParaRPr lang="en-US"/>
+          </a:p>
+        </p:txBody>
+      </p:sp>
+      <p:sp>
+        <p:nvSpPr>
+          <p:cNvPr id="6" name="Text Box 5"/>
+          <p:cNvSpPr txBox="1"/>
+          <p:nvPr/>
+        </p:nvSpPr>
+        <p:spPr>
+          <a:xfrm>
+            <a:off x="3698875" y="6080760"/>
+            <a:ext cx="2309495" cy="368300"/>
+          </a:xfrm>
+          <a:prstGeom prst="rect">
+            <a:avLst/>
+          </a:prstGeom>
+          <a:noFill/>
+        </p:spPr>
+        <p:txBody>
+          <a:bodyPr wrap="square" rtlCol="0">
+            <a:spAutoFit/>
+          </a:bodyPr>
+          <a:p>
+            <a:r>
+              <a:rPr lang="zh-CN" altLang="en-US"/>
+              <a:t>许可协议：</a:t>
+            </a:r>
+            <a:r>
+              <a:rPr lang="en-US" altLang="zh-CN"/>
+              <a:t>BSD</a:t>
+            </a:r>
+            <a:r>
+              <a:rPr lang="zh-CN" altLang="en-US"/>
+              <a:t>协议</a:t>
+            </a:r>
+            <a:endParaRPr lang="zh-CN" altLang="en-US"/>
+          </a:p>
+        </p:txBody>
+      </p:sp>
+      <p:pic>
+        <p:nvPicPr>
+          <p:cNvPr id="3" name="Picture 2"/>
+          <p:cNvPicPr>
+            <a:picLocks noChangeAspect="1"/>
+          </p:cNvPicPr>
+          <p:nvPr/>
+        </p:nvPicPr>
+        <p:blipFill>
+          <a:blip r:embed="rId1"/>
+          <a:stretch>
+            <a:fillRect/>
+          </a:stretch>
+        </p:blipFill>
+        <p:spPr>
+          <a:xfrm>
+            <a:off x="4546600" y="1402080"/>
+            <a:ext cx="7204710" cy="3827145"/>
+          </a:xfrm>
+          <a:prstGeom prst="rect">
+            <a:avLst/>
+          </a:prstGeom>
+        </p:spPr>
+      </p:pic>
+    </p:spTree>
+  </p:cSld>
+  <p:clrMapOvr>
+    <a:masterClrMapping/>
+  </p:clrMapOvr>
+</p:sld>
+</file>
+
+<file path=ppt/slides/slide6.xml><?xml version="1.0" encoding="utf-8"?>
+<p:sld xmlns:a="http://schemas.openxmlformats.org/drawingml/2006/main" xmlns:r="http://schemas.openxmlformats.org/officeDocument/2006/relationships" xmlns:p="http://schemas.openxmlformats.org/presentationml/2006/main">
+  <p:cSld>
+    <p:spTree>
+      <p:nvGrpSpPr>
+        <p:cNvPr id="1" name=""/>
+        <p:cNvGrpSpPr/>
+        <p:nvPr/>
+      </p:nvGrpSpPr>
+      <p:grpSpPr/>
+      <p:pic>
+        <p:nvPicPr>
+          <p:cNvPr id="4" name="Picture 3"/>
+          <p:cNvPicPr>
+            <a:picLocks noChangeAspect="1"/>
+          </p:cNvPicPr>
+          <p:nvPr/>
+        </p:nvPicPr>
+        <p:blipFill>
+          <a:blip r:embed="rId1"/>
+          <a:stretch>
+            <a:fillRect/>
+          </a:stretch>
+        </p:blipFill>
+        <p:spPr>
+          <a:xfrm>
+            <a:off x="492760" y="429895"/>
+            <a:ext cx="6932930" cy="5998210"/>
+          </a:xfrm>
+          <a:prstGeom prst="rect">
+            <a:avLst/>
+          </a:prstGeom>
+        </p:spPr>
+      </p:pic>
+      <p:sp>
+        <p:nvSpPr>
+          <p:cNvPr id="5" name="Text Box 4"/>
+          <p:cNvSpPr txBox="1"/>
+          <p:nvPr/>
+        </p:nvSpPr>
+        <p:spPr>
+          <a:xfrm>
+            <a:off x="7971155" y="551815"/>
+            <a:ext cx="3924935" cy="2030095"/>
+          </a:xfrm>
+          <a:prstGeom prst="rect">
+            <a:avLst/>
+          </a:prstGeom>
+          <a:noFill/>
+        </p:spPr>
+        <p:txBody>
+          <a:bodyPr wrap="square" rtlCol="0">
+            <a:spAutoFit/>
+          </a:bodyPr>
+          <a:p>
+            <a:r>
+              <a:rPr lang="zh-CN" altLang="en-US" b="1"/>
+              <a:t>主欢迎界面</a:t>
+            </a:r>
+            <a:endParaRPr lang="zh-CN" altLang="en-US" b="1"/>
+          </a:p>
+          <a:p>
+            <a:pPr marL="285750" indent="-285750">
+              <a:buFont typeface="Wingdings" panose="05000000000000000000" charset="0"/>
+              <a:buChar char="l"/>
+            </a:pPr>
+            <a:r>
+              <a:rPr lang="zh-CN" altLang="en-US"/>
+              <a:t>左侧</a:t>
+            </a:r>
+            <a:r>
+              <a:rPr lang="en-US" altLang="zh-CN"/>
+              <a:t>1</a:t>
+            </a:r>
+            <a:r>
+              <a:rPr lang="zh-CN" altLang="en-US"/>
+              <a:t>区为模块选择区域，选择进入指定的模块后单击进入按钮即可打开相应的模块。</a:t>
+            </a:r>
+            <a:endParaRPr lang="zh-CN" altLang="en-US"/>
+          </a:p>
+          <a:p>
+            <a:pPr marL="285750" indent="-285750">
+              <a:buFont typeface="Wingdings" panose="05000000000000000000" charset="0"/>
+              <a:buChar char="l"/>
+            </a:pPr>
+            <a:r>
+              <a:rPr lang="zh-CN" altLang="en-US"/>
+              <a:t>右侧</a:t>
+            </a:r>
+            <a:r>
+              <a:rPr lang="en-US" altLang="zh-CN"/>
+              <a:t>2</a:t>
+            </a:r>
+            <a:r>
+              <a:rPr lang="zh-CN" altLang="zh-CN"/>
+              <a:t>区</a:t>
+            </a:r>
+            <a:r>
+              <a:rPr lang="zh-CN" altLang="en-US"/>
+              <a:t>为模块说明区域，选择特定的模块，右侧便会有对应的文字介绍使用说明等内容。</a:t>
+            </a:r>
+            <a:endParaRPr lang="zh-CN" altLang="en-US"/>
+          </a:p>
+        </p:txBody>
+      </p:sp>
+      <p:sp>
+        <p:nvSpPr>
+          <p:cNvPr id="3" name="文本框 2"/>
+          <p:cNvSpPr txBox="1"/>
+          <p:nvPr/>
+        </p:nvSpPr>
+        <p:spPr>
+          <a:xfrm>
+            <a:off x="1149985" y="2705735"/>
+            <a:ext cx="694055" cy="675640"/>
+          </a:xfrm>
+          <a:prstGeom prst="rect">
+            <a:avLst/>
+          </a:prstGeom>
+          <a:noFill/>
+        </p:spPr>
+        <p:txBody>
+          <a:bodyPr wrap="square" rtlCol="0">
+            <a:spAutoFit/>
+          </a:bodyPr>
+          <a:p>
+            <a:r>
+              <a:rPr lang="en-US" altLang="zh-CN" sz="3800">
+                <a:solidFill>
+                  <a:srgbClr val="FF0000"/>
+                </a:solidFill>
+              </a:rPr>
+              <a:t>1</a:t>
+            </a:r>
+            <a:endParaRPr lang="en-US" altLang="zh-CN" sz="3800">
+              <a:solidFill>
+                <a:srgbClr val="FF0000"/>
+              </a:solidFill>
+            </a:endParaRPr>
+          </a:p>
+        </p:txBody>
+      </p:sp>
+      <p:sp>
+        <p:nvSpPr>
+          <p:cNvPr id="6" name="文本框 5"/>
+          <p:cNvSpPr txBox="1"/>
+          <p:nvPr/>
+        </p:nvSpPr>
+        <p:spPr>
+          <a:xfrm>
+            <a:off x="4016375" y="1906270"/>
+            <a:ext cx="694055" cy="675640"/>
+          </a:xfrm>
+          <a:prstGeom prst="rect">
+            <a:avLst/>
+          </a:prstGeom>
+          <a:noFill/>
+        </p:spPr>
+        <p:txBody>
+          <a:bodyPr wrap="square" rtlCol="0">
+            <a:spAutoFit/>
+          </a:bodyPr>
+          <a:p>
+            <a:r>
+              <a:rPr lang="en-US" altLang="zh-CN" sz="3800">
+                <a:solidFill>
+                  <a:srgbClr val="FF0000"/>
+                </a:solidFill>
+              </a:rPr>
+              <a:t>2</a:t>
+            </a:r>
+            <a:endParaRPr lang="en-US" altLang="zh-CN" sz="3800">
+              <a:solidFill>
+                <a:srgbClr val="FF0000"/>
+              </a:solidFill>
+            </a:endParaRPr>
+          </a:p>
+        </p:txBody>
+      </p:sp>
+    </p:spTree>
+  </p:cSld>
+  <p:clrMapOvr>
+    <a:masterClrMapping/>
+  </p:clrMapOvr>
+</p:sld>
+</file>
+
+<file path=ppt/slides/slide7.xml><?xml version="1.0" encoding="utf-8"?>
 <p:sld xmlns:a="http://schemas.openxmlformats.org/drawingml/2006/main" xmlns:r="http://schemas.openxmlformats.org/officeDocument/2006/relationships" xmlns:p="http://schemas.openxmlformats.org/presentationml/2006/main">
   <p:cSld>
     <p:spTree>
@@ -3998,7 +4528,7 @@
 </p:sld>
 </file>
 
-<file path=ppt/slides/slide3.xml><?xml version="1.0" encoding="utf-8"?>
+<file path=ppt/slides/slide8.xml><?xml version="1.0" encoding="utf-8"?>
 <p:sld xmlns:a="http://schemas.openxmlformats.org/drawingml/2006/main" xmlns:r="http://schemas.openxmlformats.org/officeDocument/2006/relationships" xmlns:p="http://schemas.openxmlformats.org/presentationml/2006/main">
   <p:cSld>
     <p:spTree>
@@ -4257,7 +4787,7 @@
 </p:sld>
 </file>
 
-<file path=ppt/slides/slide4.xml><?xml version="1.0" encoding="utf-8"?>
+<file path=ppt/slides/slide9.xml><?xml version="1.0" encoding="utf-8"?>
 <p:sld xmlns:a="http://schemas.openxmlformats.org/drawingml/2006/main" xmlns:r="http://schemas.openxmlformats.org/officeDocument/2006/relationships" xmlns:p="http://schemas.openxmlformats.org/presentationml/2006/main">
   <p:cSld>
     <p:spTree>

--- a/Presentation1.pptx
+++ b/Presentation1.pptx
@@ -5,10 +5,10 @@
     <p:sldMasterId id="2147483648" r:id="rId1"/>
   </p:sldMasterIdLst>
   <p:notesMasterIdLst>
-    <p:notesMasterId r:id="rId12"/>
+    <p:notesMasterId r:id="rId18"/>
   </p:notesMasterIdLst>
   <p:handoutMasterIdLst>
-    <p:handoutMasterId r:id="rId13"/>
+    <p:handoutMasterId r:id="rId19"/>
   </p:handoutMasterIdLst>
   <p:sldIdLst>
     <p:sldId id="260" r:id="rId3"/>
@@ -20,6 +20,12 @@
     <p:sldId id="257" r:id="rId9"/>
     <p:sldId id="258" r:id="rId10"/>
     <p:sldId id="259" r:id="rId11"/>
+    <p:sldId id="270" r:id="rId12"/>
+    <p:sldId id="271" r:id="rId13"/>
+    <p:sldId id="272" r:id="rId14"/>
+    <p:sldId id="273" r:id="rId15"/>
+    <p:sldId id="274" r:id="rId16"/>
+    <p:sldId id="275" r:id="rId17"/>
   </p:sldIdLst>
   <p:sldSz cx="12192000" cy="6858000"/>
   <p:notesSz cx="7103745" cy="10234295"/>
@@ -123,7 +129,7 @@
 
 <file path=ppt/commentAuthors.xml><?xml version="1.0" encoding="utf-8"?>
 <p:cmAuthorLst xmlns:a="http://schemas.openxmlformats.org/drawingml/2006/main" xmlns:r="http://schemas.openxmlformats.org/officeDocument/2006/relationships" xmlns:p="http://schemas.openxmlformats.org/presentationml/2006/main">
-  <p:cmAuthor id="1" name="einstein" initials="e" lastIdx="1" clrIdx="0"/>
+  <p:cmAuthor id="1" name="einstein" initials="e" lastIdx="2" clrIdx="0"/>
 </p:cmAuthorLst>
 </file>
 
@@ -3655,6 +3661,842 @@
           </a:p>
         </p:txBody>
       </p:sp>
+    </p:spTree>
+  </p:cSld>
+  <p:clrMapOvr>
+    <a:masterClrMapping/>
+  </p:clrMapOvr>
+</p:sld>
+</file>
+
+<file path=ppt/slides/slide10.xml><?xml version="1.0" encoding="utf-8"?>
+<p:sld xmlns:a="http://schemas.openxmlformats.org/drawingml/2006/main" xmlns:r="http://schemas.openxmlformats.org/officeDocument/2006/relationships" xmlns:p="http://schemas.openxmlformats.org/presentationml/2006/main">
+  <p:cSld>
+    <p:spTree>
+      <p:nvGrpSpPr>
+        <p:cNvPr id="1" name=""/>
+        <p:cNvGrpSpPr/>
+        <p:nvPr/>
+      </p:nvGrpSpPr>
+      <p:grpSpPr/>
+      <p:pic>
+        <p:nvPicPr>
+          <p:cNvPr id="9" name="Picture 8"/>
+          <p:cNvPicPr>
+            <a:picLocks noChangeAspect="1"/>
+          </p:cNvPicPr>
+          <p:nvPr/>
+        </p:nvPicPr>
+        <p:blipFill>
+          <a:blip r:embed="rId1"/>
+          <a:stretch>
+            <a:fillRect/>
+          </a:stretch>
+        </p:blipFill>
+        <p:spPr>
+          <a:xfrm>
+            <a:off x="356870" y="297815"/>
+            <a:ext cx="7328535" cy="5859145"/>
+          </a:xfrm>
+          <a:prstGeom prst="rect">
+            <a:avLst/>
+          </a:prstGeom>
+        </p:spPr>
+      </p:pic>
+      <p:sp>
+        <p:nvSpPr>
+          <p:cNvPr id="10" name="文本框 6"/>
+          <p:cNvSpPr txBox="1"/>
+          <p:nvPr/>
+        </p:nvSpPr>
+        <p:spPr>
+          <a:xfrm>
+            <a:off x="8211820" y="1162685"/>
+            <a:ext cx="3174365" cy="2584450"/>
+          </a:xfrm>
+          <a:prstGeom prst="rect">
+            <a:avLst/>
+          </a:prstGeom>
+          <a:noFill/>
+        </p:spPr>
+        <p:txBody>
+          <a:bodyPr wrap="square" rtlCol="0">
+            <a:spAutoFit/>
+          </a:bodyPr>
+          <a:p>
+            <a:r>
+              <a:rPr lang="en-US" altLang="zh-CN" b="1"/>
+              <a:t>QDC</a:t>
+            </a:r>
+            <a:r>
+              <a:rPr lang="zh-CN" altLang="en-US" b="1"/>
+              <a:t>分析模块</a:t>
+            </a:r>
+            <a:endParaRPr lang="zh-CN" altLang="en-US" b="1"/>
+          </a:p>
+          <a:p>
+            <a:pPr marL="285750" indent="-285750">
+              <a:buFont typeface="Wingdings" panose="05000000000000000000" charset="0"/>
+              <a:buChar char="l"/>
+            </a:pPr>
+            <a:r>
+              <a:rPr lang="en-US" altLang="zh-CN"/>
+              <a:t>1</a:t>
+            </a:r>
+            <a:r>
+              <a:rPr lang="zh-CN" altLang="zh-CN"/>
+              <a:t>区功能是选择</a:t>
+            </a:r>
+            <a:r>
+              <a:rPr lang="en-US" altLang="zh-CN"/>
+              <a:t>QDC</a:t>
+            </a:r>
+            <a:r>
+              <a:rPr lang="zh-CN" altLang="en-US"/>
+              <a:t>生成的</a:t>
+            </a:r>
+            <a:r>
+              <a:rPr lang="en-US" altLang="zh-CN"/>
+              <a:t>txt</a:t>
+            </a:r>
+            <a:r>
+              <a:rPr lang="zh-CN" altLang="en-US"/>
+              <a:t>文件，并且具有设置信道的功能</a:t>
+            </a:r>
+            <a:endParaRPr lang="zh-CN" altLang="zh-CN"/>
+          </a:p>
+          <a:p>
+            <a:pPr marL="285750" indent="-285750">
+              <a:buFont typeface="Wingdings" panose="05000000000000000000" charset="0"/>
+              <a:buChar char="l"/>
+            </a:pPr>
+            <a:r>
+              <a:rPr lang="en-US" altLang="zh-CN"/>
+              <a:t>2</a:t>
+            </a:r>
+            <a:r>
+              <a:rPr lang="zh-CN" altLang="en-US"/>
+              <a:t>区用于设置绘制区间，</a:t>
+            </a:r>
+            <a:r>
+              <a:rPr lang="en-US" altLang="zh-CN"/>
+              <a:t> </a:t>
+            </a:r>
+            <a:r>
+              <a:rPr lang="zh-CN" altLang="en-US"/>
+              <a:t>拟合参数设置，事例数比例计算等</a:t>
+            </a:r>
+            <a:endParaRPr lang="zh-CN" altLang="en-US"/>
+          </a:p>
+          <a:p>
+            <a:pPr marL="285750" indent="-285750">
+              <a:buFont typeface="Wingdings" panose="05000000000000000000" charset="0"/>
+              <a:buChar char="l"/>
+            </a:pPr>
+            <a:r>
+              <a:rPr lang="en-US" altLang="zh-CN"/>
+              <a:t>3</a:t>
+            </a:r>
+            <a:r>
+              <a:rPr lang="zh-CN" altLang="en-US"/>
+              <a:t>区上用于展示波形，拟合曲线等内容</a:t>
+            </a:r>
+            <a:endParaRPr lang="zh-CN" altLang="en-US"/>
+          </a:p>
+        </p:txBody>
+      </p:sp>
+    </p:spTree>
+  </p:cSld>
+  <p:clrMapOvr>
+    <a:masterClrMapping/>
+  </p:clrMapOvr>
+</p:sld>
+</file>
+
+<file path=ppt/slides/slide11.xml><?xml version="1.0" encoding="utf-8"?>
+<p:sld xmlns:a="http://schemas.openxmlformats.org/drawingml/2006/main" xmlns:r="http://schemas.openxmlformats.org/officeDocument/2006/relationships" xmlns:p="http://schemas.openxmlformats.org/presentationml/2006/main">
+  <p:cSld>
+    <p:spTree>
+      <p:nvGrpSpPr>
+        <p:cNvPr id="1" name=""/>
+        <p:cNvGrpSpPr/>
+        <p:nvPr/>
+      </p:nvGrpSpPr>
+      <p:grpSpPr/>
+      <p:pic>
+        <p:nvPicPr>
+          <p:cNvPr id="2" name="Picture 1"/>
+          <p:cNvPicPr>
+            <a:picLocks noChangeAspect="1"/>
+          </p:cNvPicPr>
+          <p:nvPr/>
+        </p:nvPicPr>
+        <p:blipFill>
+          <a:blip r:embed="rId1"/>
+          <a:stretch>
+            <a:fillRect/>
+          </a:stretch>
+        </p:blipFill>
+        <p:spPr>
+          <a:xfrm>
+            <a:off x="958850" y="672465"/>
+            <a:ext cx="5981700" cy="3857625"/>
+          </a:xfrm>
+          <a:prstGeom prst="rect">
+            <a:avLst/>
+          </a:prstGeom>
+        </p:spPr>
+      </p:pic>
+      <p:sp>
+        <p:nvSpPr>
+          <p:cNvPr id="3" name="Text Box 2"/>
+          <p:cNvSpPr txBox="1"/>
+          <p:nvPr/>
+        </p:nvSpPr>
+        <p:spPr>
+          <a:xfrm>
+            <a:off x="8001000" y="847725"/>
+            <a:ext cx="3709670" cy="368300"/>
+          </a:xfrm>
+          <a:prstGeom prst="rect">
+            <a:avLst/>
+          </a:prstGeom>
+          <a:noFill/>
+        </p:spPr>
+        <p:txBody>
+          <a:bodyPr wrap="square" rtlCol="0">
+            <a:spAutoFit/>
+          </a:bodyPr>
+          <a:p>
+            <a:r>
+              <a:rPr lang="zh-CN" altLang="en-US"/>
+              <a:t>拟合模型</a:t>
+            </a:r>
+            <a:endParaRPr lang="zh-CN" altLang="en-US"/>
+          </a:p>
+        </p:txBody>
+      </p:sp>
+      <p:cxnSp>
+        <p:nvCxnSpPr>
+          <p:cNvPr id="5" name="Straight Connector 4"/>
+          <p:cNvCxnSpPr/>
+          <p:nvPr/>
+        </p:nvCxnSpPr>
+        <p:spPr>
+          <a:xfrm>
+            <a:off x="5517515" y="2707640"/>
+            <a:ext cx="1410335" cy="0"/>
+          </a:xfrm>
+          <a:prstGeom prst="line">
+            <a:avLst/>
+          </a:prstGeom>
+          <a:ln w="50800" cmpd="sng">
+            <a:solidFill>
+              <a:srgbClr val="00B050"/>
+            </a:solidFill>
+            <a:prstDash val="solid"/>
+          </a:ln>
+        </p:spPr>
+        <p:style>
+          <a:lnRef idx="1">
+            <a:schemeClr val="accent1"/>
+          </a:lnRef>
+          <a:fillRef idx="0">
+            <a:schemeClr val="accent1"/>
+          </a:fillRef>
+          <a:effectRef idx="0">
+            <a:schemeClr val="accent1"/>
+          </a:effectRef>
+          <a:fontRef idx="minor">
+            <a:schemeClr val="tx1"/>
+          </a:fontRef>
+        </p:style>
+      </p:cxnSp>
+      <p:cxnSp>
+        <p:nvCxnSpPr>
+          <p:cNvPr id="6" name="Straight Connector 5"/>
+          <p:cNvCxnSpPr/>
+          <p:nvPr/>
+        </p:nvCxnSpPr>
+        <p:spPr>
+          <a:xfrm>
+            <a:off x="2002155" y="3484880"/>
+            <a:ext cx="1788160" cy="0"/>
+          </a:xfrm>
+          <a:prstGeom prst="line">
+            <a:avLst/>
+          </a:prstGeom>
+          <a:ln w="50800" cmpd="sng">
+            <a:solidFill>
+              <a:srgbClr val="00B050"/>
+            </a:solidFill>
+            <a:prstDash val="solid"/>
+          </a:ln>
+        </p:spPr>
+        <p:style>
+          <a:lnRef idx="1">
+            <a:schemeClr val="accent1"/>
+          </a:lnRef>
+          <a:fillRef idx="0">
+            <a:schemeClr val="accent1"/>
+          </a:fillRef>
+          <a:effectRef idx="0">
+            <a:schemeClr val="accent1"/>
+          </a:effectRef>
+          <a:fontRef idx="minor">
+            <a:schemeClr val="tx1"/>
+          </a:fontRef>
+        </p:style>
+      </p:cxnSp>
+      <p:cxnSp>
+        <p:nvCxnSpPr>
+          <p:cNvPr id="7" name="Straight Connector 6"/>
+          <p:cNvCxnSpPr/>
+          <p:nvPr/>
+        </p:nvCxnSpPr>
+        <p:spPr>
+          <a:xfrm>
+            <a:off x="2032635" y="4568190"/>
+            <a:ext cx="4118610" cy="0"/>
+          </a:xfrm>
+          <a:prstGeom prst="line">
+            <a:avLst/>
+          </a:prstGeom>
+          <a:ln w="50800" cmpd="sng">
+            <a:solidFill>
+              <a:srgbClr val="00B050"/>
+            </a:solidFill>
+            <a:prstDash val="solid"/>
+          </a:ln>
+        </p:spPr>
+        <p:style>
+          <a:lnRef idx="1">
+            <a:schemeClr val="accent1"/>
+          </a:lnRef>
+          <a:fillRef idx="0">
+            <a:schemeClr val="accent1"/>
+          </a:fillRef>
+          <a:effectRef idx="0">
+            <a:schemeClr val="accent1"/>
+          </a:effectRef>
+          <a:fontRef idx="minor">
+            <a:schemeClr val="tx1"/>
+          </a:fontRef>
+        </p:style>
+      </p:cxnSp>
+      <p:cxnSp>
+        <p:nvCxnSpPr>
+          <p:cNvPr id="8" name="Straight Connector 7"/>
+          <p:cNvCxnSpPr/>
+          <p:nvPr/>
+        </p:nvCxnSpPr>
+        <p:spPr>
+          <a:xfrm>
+            <a:off x="2134870" y="1655445"/>
+            <a:ext cx="3107055" cy="0"/>
+          </a:xfrm>
+          <a:prstGeom prst="line">
+            <a:avLst/>
+          </a:prstGeom>
+          <a:ln w="50800">
+            <a:solidFill>
+              <a:srgbClr val="FFC000"/>
+            </a:solidFill>
+          </a:ln>
+        </p:spPr>
+        <p:style>
+          <a:lnRef idx="1">
+            <a:schemeClr val="accent1"/>
+          </a:lnRef>
+          <a:fillRef idx="0">
+            <a:schemeClr val="accent1"/>
+          </a:fillRef>
+          <a:effectRef idx="0">
+            <a:schemeClr val="accent1"/>
+          </a:effectRef>
+          <a:fontRef idx="minor">
+            <a:schemeClr val="tx1"/>
+          </a:fontRef>
+        </p:style>
+      </p:cxnSp>
+      <p:cxnSp>
+        <p:nvCxnSpPr>
+          <p:cNvPr id="11" name="Straight Connector 10"/>
+          <p:cNvCxnSpPr/>
+          <p:nvPr/>
+        </p:nvCxnSpPr>
+        <p:spPr>
+          <a:xfrm>
+            <a:off x="5619750" y="1635125"/>
+            <a:ext cx="1247140" cy="0"/>
+          </a:xfrm>
+          <a:prstGeom prst="line">
+            <a:avLst/>
+          </a:prstGeom>
+          <a:ln w="50800">
+            <a:solidFill>
+              <a:srgbClr val="FF0000"/>
+            </a:solidFill>
+          </a:ln>
+        </p:spPr>
+        <p:style>
+          <a:lnRef idx="1">
+            <a:schemeClr val="accent1"/>
+          </a:lnRef>
+          <a:fillRef idx="0">
+            <a:schemeClr val="accent1"/>
+          </a:fillRef>
+          <a:effectRef idx="0">
+            <a:schemeClr val="accent1"/>
+          </a:effectRef>
+          <a:fontRef idx="minor">
+            <a:schemeClr val="tx1"/>
+          </a:fontRef>
+        </p:style>
+      </p:cxnSp>
+      <p:cxnSp>
+        <p:nvCxnSpPr>
+          <p:cNvPr id="12" name="Straight Connector 11"/>
+          <p:cNvCxnSpPr/>
+          <p:nvPr/>
+        </p:nvCxnSpPr>
+        <p:spPr>
+          <a:xfrm>
+            <a:off x="2063750" y="2616200"/>
+            <a:ext cx="2922270" cy="0"/>
+          </a:xfrm>
+          <a:prstGeom prst="line">
+            <a:avLst/>
+          </a:prstGeom>
+          <a:ln w="50800">
+            <a:solidFill>
+              <a:srgbClr val="FF0000"/>
+            </a:solidFill>
+          </a:ln>
+        </p:spPr>
+        <p:style>
+          <a:lnRef idx="1">
+            <a:schemeClr val="accent1"/>
+          </a:lnRef>
+          <a:fillRef idx="0">
+            <a:schemeClr val="accent1"/>
+          </a:fillRef>
+          <a:effectRef idx="0">
+            <a:schemeClr val="accent1"/>
+          </a:effectRef>
+          <a:fontRef idx="minor">
+            <a:schemeClr val="tx1"/>
+          </a:fontRef>
+        </p:style>
+      </p:cxnSp>
+      <p:pic>
+        <p:nvPicPr>
+          <p:cNvPr id="13" name="Picture 12"/>
+          <p:cNvPicPr>
+            <a:picLocks noChangeAspect="1"/>
+          </p:cNvPicPr>
+          <p:nvPr/>
+        </p:nvPicPr>
+        <p:blipFill>
+          <a:blip r:embed="rId2"/>
+          <a:stretch>
+            <a:fillRect/>
+          </a:stretch>
+        </p:blipFill>
+        <p:spPr>
+          <a:xfrm>
+            <a:off x="7328535" y="1377950"/>
+            <a:ext cx="4524375" cy="5124450"/>
+          </a:xfrm>
+          <a:prstGeom prst="rect">
+            <a:avLst/>
+          </a:prstGeom>
+        </p:spPr>
+      </p:pic>
+    </p:spTree>
+  </p:cSld>
+  <p:clrMapOvr>
+    <a:masterClrMapping/>
+  </p:clrMapOvr>
+</p:sld>
+</file>
+
+<file path=ppt/slides/slide12.xml><?xml version="1.0" encoding="utf-8"?>
+<p:sld xmlns:a="http://schemas.openxmlformats.org/drawingml/2006/main" xmlns:r="http://schemas.openxmlformats.org/officeDocument/2006/relationships" xmlns:p="http://schemas.openxmlformats.org/presentationml/2006/main">
+  <p:cSld>
+    <p:spTree>
+      <p:nvGrpSpPr>
+        <p:cNvPr id="1" name=""/>
+        <p:cNvGrpSpPr/>
+        <p:nvPr/>
+      </p:nvGrpSpPr>
+      <p:grpSpPr/>
+      <p:sp>
+        <p:nvSpPr>
+          <p:cNvPr id="3" name="Text Box 2"/>
+          <p:cNvSpPr txBox="1"/>
+          <p:nvPr/>
+        </p:nvSpPr>
+        <p:spPr>
+          <a:xfrm>
+            <a:off x="346710" y="327025"/>
+            <a:ext cx="3045460" cy="368300"/>
+          </a:xfrm>
+          <a:prstGeom prst="rect">
+            <a:avLst/>
+          </a:prstGeom>
+          <a:noFill/>
+        </p:spPr>
+        <p:txBody>
+          <a:bodyPr wrap="square" rtlCol="0">
+            <a:spAutoFit/>
+          </a:bodyPr>
+          <a:p>
+            <a:r>
+              <a:rPr lang="zh-CN" altLang="en-US"/>
+              <a:t>目前的问题</a:t>
+            </a:r>
+            <a:endParaRPr lang="zh-CN" altLang="en-US"/>
+          </a:p>
+        </p:txBody>
+      </p:sp>
+      <p:pic>
+        <p:nvPicPr>
+          <p:cNvPr id="4" name="Picture 3"/>
+          <p:cNvPicPr>
+            <a:picLocks noChangeAspect="1"/>
+          </p:cNvPicPr>
+          <p:nvPr/>
+        </p:nvPicPr>
+        <p:blipFill>
+          <a:blip r:embed="rId1"/>
+          <a:stretch>
+            <a:fillRect/>
+          </a:stretch>
+        </p:blipFill>
+        <p:spPr>
+          <a:xfrm>
+            <a:off x="931545" y="1298575"/>
+            <a:ext cx="3152140" cy="2144395"/>
+          </a:xfrm>
+          <a:prstGeom prst="rect">
+            <a:avLst/>
+          </a:prstGeom>
+        </p:spPr>
+      </p:pic>
+      <p:sp>
+        <p:nvSpPr>
+          <p:cNvPr id="5" name="Text Box 4"/>
+          <p:cNvSpPr txBox="1"/>
+          <p:nvPr/>
+        </p:nvSpPr>
+        <p:spPr>
+          <a:xfrm>
+            <a:off x="5507355" y="643255"/>
+            <a:ext cx="4660265" cy="645160"/>
+          </a:xfrm>
+          <a:prstGeom prst="rect">
+            <a:avLst/>
+          </a:prstGeom>
+          <a:noFill/>
+        </p:spPr>
+        <p:txBody>
+          <a:bodyPr wrap="square" rtlCol="0">
+            <a:spAutoFit/>
+          </a:bodyPr>
+          <a:p>
+            <a:r>
+              <a:rPr lang="en-US"/>
+              <a:t>Q ~ N(mu, sigma^2)</a:t>
+            </a:r>
+            <a:endParaRPr lang="en-US"/>
+          </a:p>
+          <a:p>
+            <a:r>
+              <a:rPr lang="en-US"/>
+              <a:t>kQ ~ N(k*mu, k^2 * sigma^2)</a:t>
+            </a:r>
+            <a:endParaRPr lang="en-US"/>
+          </a:p>
+        </p:txBody>
+      </p:sp>
+      <p:sp>
+        <p:nvSpPr>
+          <p:cNvPr id="6" name="Text Box 5"/>
+          <p:cNvSpPr txBox="1"/>
+          <p:nvPr/>
+        </p:nvSpPr>
+        <p:spPr>
+          <a:xfrm>
+            <a:off x="5732145" y="2339975"/>
+            <a:ext cx="4384675" cy="645160"/>
+          </a:xfrm>
+          <a:prstGeom prst="rect">
+            <a:avLst/>
+          </a:prstGeom>
+          <a:noFill/>
+        </p:spPr>
+        <p:txBody>
+          <a:bodyPr wrap="square" rtlCol="0">
+            <a:spAutoFit/>
+          </a:bodyPr>
+          <a:p>
+            <a:r>
+              <a:rPr lang="en-US"/>
+              <a:t>G_k = (k*Q1) / (k*Qe) = G</a:t>
+            </a:r>
+            <a:endParaRPr lang="en-US"/>
+          </a:p>
+          <a:p>
+            <a:r>
+              <a:rPr lang="en-US"/>
+              <a:t>R_k = </a:t>
+            </a:r>
+            <a:endParaRPr lang="en-US"/>
+          </a:p>
+        </p:txBody>
+      </p:sp>
+    </p:spTree>
+  </p:cSld>
+  <p:clrMapOvr>
+    <a:masterClrMapping/>
+  </p:clrMapOvr>
+</p:sld>
+</file>
+
+<file path=ppt/slides/slide13.xml><?xml version="1.0" encoding="utf-8"?>
+<p:sld xmlns:a="http://schemas.openxmlformats.org/drawingml/2006/main" xmlns:r="http://schemas.openxmlformats.org/officeDocument/2006/relationships" xmlns:p="http://schemas.openxmlformats.org/presentationml/2006/main">
+  <p:cSld>
+    <p:spTree>
+      <p:nvGrpSpPr>
+        <p:cNvPr id="1" name=""/>
+        <p:cNvGrpSpPr/>
+        <p:nvPr/>
+      </p:nvGrpSpPr>
+      <p:grpSpPr/>
+      <p:sp>
+        <p:nvSpPr>
+          <p:cNvPr id="2" name="Text Box 1"/>
+          <p:cNvSpPr txBox="1"/>
+          <p:nvPr/>
+        </p:nvSpPr>
+        <p:spPr>
+          <a:xfrm>
+            <a:off x="795655" y="429260"/>
+            <a:ext cx="3689350" cy="368300"/>
+          </a:xfrm>
+          <a:prstGeom prst="rect">
+            <a:avLst/>
+          </a:prstGeom>
+          <a:noFill/>
+        </p:spPr>
+        <p:txBody>
+          <a:bodyPr wrap="square" rtlCol="0">
+            <a:spAutoFit/>
+          </a:bodyPr>
+          <a:p>
+            <a:r>
+              <a:rPr lang="en-US"/>
+              <a:t>1400V QDC</a:t>
+            </a:r>
+            <a:endParaRPr lang="en-US"/>
+          </a:p>
+        </p:txBody>
+      </p:sp>
+      <p:pic>
+        <p:nvPicPr>
+          <p:cNvPr id="3" name="Picture 2"/>
+          <p:cNvPicPr>
+            <a:picLocks noChangeAspect="1"/>
+          </p:cNvPicPr>
+          <p:nvPr/>
+        </p:nvPicPr>
+        <p:blipFill>
+          <a:blip r:embed="rId1"/>
+          <a:stretch>
+            <a:fillRect/>
+          </a:stretch>
+        </p:blipFill>
+        <p:spPr>
+          <a:xfrm>
+            <a:off x="408305" y="1056005"/>
+            <a:ext cx="4836160" cy="5674995"/>
+          </a:xfrm>
+          <a:prstGeom prst="rect">
+            <a:avLst/>
+          </a:prstGeom>
+        </p:spPr>
+      </p:pic>
+      <p:sp>
+        <p:nvSpPr>
+          <p:cNvPr id="4" name="Text Box 3"/>
+          <p:cNvSpPr txBox="1"/>
+          <p:nvPr/>
+        </p:nvSpPr>
+        <p:spPr>
+          <a:xfrm>
+            <a:off x="8440420" y="429260"/>
+            <a:ext cx="3055620" cy="368300"/>
+          </a:xfrm>
+          <a:prstGeom prst="rect">
+            <a:avLst/>
+          </a:prstGeom>
+          <a:noFill/>
+        </p:spPr>
+        <p:txBody>
+          <a:bodyPr wrap="square" rtlCol="0">
+            <a:spAutoFit/>
+          </a:bodyPr>
+          <a:p>
+            <a:r>
+              <a:rPr lang="en-US"/>
+              <a:t>1400V</a:t>
+            </a:r>
+            <a:r>
+              <a:rPr lang="zh-CN" altLang="en-US"/>
+              <a:t>积分计算</a:t>
+            </a:r>
+            <a:endParaRPr lang="zh-CN" altLang="en-US"/>
+          </a:p>
+        </p:txBody>
+      </p:sp>
+      <p:pic>
+        <p:nvPicPr>
+          <p:cNvPr id="5" name="Picture 4"/>
+          <p:cNvPicPr>
+            <a:picLocks noChangeAspect="1"/>
+          </p:cNvPicPr>
+          <p:nvPr/>
+        </p:nvPicPr>
+        <p:blipFill>
+          <a:blip r:embed="rId2"/>
+          <a:stretch>
+            <a:fillRect/>
+          </a:stretch>
+        </p:blipFill>
+        <p:spPr>
+          <a:xfrm>
+            <a:off x="6784975" y="898525"/>
+            <a:ext cx="5009515" cy="5748655"/>
+          </a:xfrm>
+          <a:prstGeom prst="rect">
+            <a:avLst/>
+          </a:prstGeom>
+        </p:spPr>
+      </p:pic>
+    </p:spTree>
+  </p:cSld>
+  <p:clrMapOvr>
+    <a:masterClrMapping/>
+  </p:clrMapOvr>
+</p:sld>
+</file>
+
+<file path=ppt/slides/slide14.xml><?xml version="1.0" encoding="utf-8"?>
+<p:sld xmlns:a="http://schemas.openxmlformats.org/drawingml/2006/main" xmlns:r="http://schemas.openxmlformats.org/officeDocument/2006/relationships" xmlns:p="http://schemas.openxmlformats.org/presentationml/2006/main">
+  <p:cSld>
+    <p:spTree>
+      <p:nvGrpSpPr>
+        <p:cNvPr id="1" name=""/>
+        <p:cNvGrpSpPr/>
+        <p:nvPr/>
+      </p:nvGrpSpPr>
+      <p:grpSpPr/>
+      <p:pic>
+        <p:nvPicPr>
+          <p:cNvPr id="4" name="Picture 3"/>
+          <p:cNvPicPr>
+            <a:picLocks noChangeAspect="1"/>
+          </p:cNvPicPr>
+          <p:nvPr/>
+        </p:nvPicPr>
+        <p:blipFill>
+          <a:blip r:embed="rId1"/>
+          <a:stretch>
+            <a:fillRect/>
+          </a:stretch>
+        </p:blipFill>
+        <p:spPr>
+          <a:xfrm>
+            <a:off x="5075555" y="1163320"/>
+            <a:ext cx="7266305" cy="4010660"/>
+          </a:xfrm>
+          <a:prstGeom prst="rect">
+            <a:avLst/>
+          </a:prstGeom>
+        </p:spPr>
+      </p:pic>
+      <p:pic>
+        <p:nvPicPr>
+          <p:cNvPr id="2" name="Picture 1"/>
+          <p:cNvPicPr>
+            <a:picLocks noChangeAspect="1"/>
+          </p:cNvPicPr>
+          <p:nvPr/>
+        </p:nvPicPr>
+        <p:blipFill>
+          <a:blip r:embed="rId2"/>
+          <a:stretch>
+            <a:fillRect/>
+          </a:stretch>
+        </p:blipFill>
+        <p:spPr>
+          <a:xfrm>
+            <a:off x="204470" y="939165"/>
+            <a:ext cx="5591175" cy="5581650"/>
+          </a:xfrm>
+          <a:prstGeom prst="rect">
+            <a:avLst/>
+          </a:prstGeom>
+        </p:spPr>
+      </p:pic>
+      <p:sp>
+        <p:nvSpPr>
+          <p:cNvPr id="3" name="Text Box 2"/>
+          <p:cNvSpPr txBox="1"/>
+          <p:nvPr/>
+        </p:nvSpPr>
+        <p:spPr>
+          <a:xfrm>
+            <a:off x="653415" y="255270"/>
+            <a:ext cx="3985260" cy="368300"/>
+          </a:xfrm>
+          <a:prstGeom prst="rect">
+            <a:avLst/>
+          </a:prstGeom>
+          <a:noFill/>
+        </p:spPr>
+        <p:txBody>
+          <a:bodyPr wrap="square" rtlCol="0">
+            <a:spAutoFit/>
+          </a:bodyPr>
+          <a:p>
+            <a:r>
+              <a:rPr lang="zh-CN" altLang="en-US"/>
+              <a:t>二进制文件读取</a:t>
+            </a:r>
+            <a:endParaRPr lang="zh-CN" altLang="en-US"/>
+          </a:p>
+        </p:txBody>
+      </p:sp>
+    </p:spTree>
+  </p:cSld>
+  <p:clrMapOvr>
+    <a:masterClrMapping/>
+  </p:clrMapOvr>
+</p:sld>
+</file>
+
+<file path=ppt/slides/slide15.xml><?xml version="1.0" encoding="utf-8"?>
+<p:sld xmlns:a="http://schemas.openxmlformats.org/drawingml/2006/main" xmlns:r="http://schemas.openxmlformats.org/officeDocument/2006/relationships" xmlns:p="http://schemas.openxmlformats.org/presentationml/2006/main">
+  <p:cSld>
+    <p:spTree>
+      <p:nvGrpSpPr>
+        <p:cNvPr id="1" name=""/>
+        <p:cNvGrpSpPr/>
+        <p:nvPr/>
+      </p:nvGrpSpPr>
+      <p:grpSpPr/>
     </p:spTree>
   </p:cSld>
   <p:clrMapOvr>

--- a/Presentation1.pptx
+++ b/Presentation1.pptx
@@ -5,10 +5,10 @@
     <p:sldMasterId id="2147483648" r:id="rId1"/>
   </p:sldMasterIdLst>
   <p:notesMasterIdLst>
-    <p:notesMasterId r:id="rId18"/>
+    <p:notesMasterId r:id="rId22"/>
   </p:notesMasterIdLst>
   <p:handoutMasterIdLst>
-    <p:handoutMasterId r:id="rId19"/>
+    <p:handoutMasterId r:id="rId23"/>
   </p:handoutMasterIdLst>
   <p:sldIdLst>
     <p:sldId id="260" r:id="rId3"/>
@@ -26,6 +26,10 @@
     <p:sldId id="273" r:id="rId15"/>
     <p:sldId id="274" r:id="rId16"/>
     <p:sldId id="275" r:id="rId17"/>
+    <p:sldId id="276" r:id="rId18"/>
+    <p:sldId id="277" r:id="rId19"/>
+    <p:sldId id="278" r:id="rId20"/>
+    <p:sldId id="279" r:id="rId21"/>
   </p:sldIdLst>
   <p:sldSz cx="12192000" cy="6858000"/>
   <p:notesSz cx="7103745" cy="10234295"/>
@@ -4488,6 +4492,542 @@
 </file>
 
 <file path=ppt/slides/slide15.xml><?xml version="1.0" encoding="utf-8"?>
+<p:sld xmlns:a="http://schemas.openxmlformats.org/drawingml/2006/main" xmlns:r="http://schemas.openxmlformats.org/officeDocument/2006/relationships" xmlns:p="http://schemas.openxmlformats.org/presentationml/2006/main">
+  <p:cSld>
+    <p:spTree>
+      <p:nvGrpSpPr>
+        <p:cNvPr id="1" name=""/>
+        <p:cNvGrpSpPr/>
+        <p:nvPr/>
+      </p:nvGrpSpPr>
+      <p:grpSpPr/>
+      <p:pic>
+        <p:nvPicPr>
+          <p:cNvPr id="3" name="Picture 2"/>
+          <p:cNvPicPr>
+            <a:picLocks noChangeAspect="1"/>
+          </p:cNvPicPr>
+          <p:nvPr/>
+        </p:nvPicPr>
+        <p:blipFill>
+          <a:blip r:embed="rId1"/>
+          <a:stretch>
+            <a:fillRect/>
+          </a:stretch>
+        </p:blipFill>
+        <p:spPr>
+          <a:xfrm>
+            <a:off x="299085" y="469900"/>
+            <a:ext cx="7698740" cy="6182360"/>
+          </a:xfrm>
+          <a:prstGeom prst="rect">
+            <a:avLst/>
+          </a:prstGeom>
+        </p:spPr>
+      </p:pic>
+      <p:sp>
+        <p:nvSpPr>
+          <p:cNvPr id="4" name="Text Box 3"/>
+          <p:cNvSpPr txBox="1"/>
+          <p:nvPr/>
+        </p:nvSpPr>
+        <p:spPr>
+          <a:xfrm>
+            <a:off x="868045" y="2314575"/>
+            <a:ext cx="541655" cy="368300"/>
+          </a:xfrm>
+          <a:prstGeom prst="rect">
+            <a:avLst/>
+          </a:prstGeom>
+          <a:noFill/>
+        </p:spPr>
+        <p:txBody>
+          <a:bodyPr wrap="square" rtlCol="0">
+            <a:spAutoFit/>
+          </a:bodyPr>
+          <a:p>
+            <a:r>
+              <a:rPr lang="en-US">
+                <a:solidFill>
+                  <a:srgbClr val="FF0000"/>
+                </a:solidFill>
+              </a:rPr>
+              <a:t>1</a:t>
+            </a:r>
+            <a:endParaRPr lang="en-US">
+              <a:solidFill>
+                <a:srgbClr val="FF0000"/>
+              </a:solidFill>
+            </a:endParaRPr>
+          </a:p>
+        </p:txBody>
+      </p:sp>
+      <p:sp>
+        <p:nvSpPr>
+          <p:cNvPr id="5" name="Text Box 4"/>
+          <p:cNvSpPr txBox="1"/>
+          <p:nvPr/>
+        </p:nvSpPr>
+        <p:spPr>
+          <a:xfrm>
+            <a:off x="5461000" y="3054350"/>
+            <a:ext cx="541655" cy="368300"/>
+          </a:xfrm>
+          <a:prstGeom prst="rect">
+            <a:avLst/>
+          </a:prstGeom>
+          <a:noFill/>
+        </p:spPr>
+        <p:txBody>
+          <a:bodyPr wrap="square" rtlCol="0">
+            <a:spAutoFit/>
+          </a:bodyPr>
+          <a:p>
+            <a:r>
+              <a:rPr lang="en-US">
+                <a:solidFill>
+                  <a:srgbClr val="FF0000"/>
+                </a:solidFill>
+              </a:rPr>
+              <a:t>4</a:t>
+            </a:r>
+            <a:endParaRPr lang="en-US">
+              <a:solidFill>
+                <a:srgbClr val="FF0000"/>
+              </a:solidFill>
+            </a:endParaRPr>
+          </a:p>
+        </p:txBody>
+      </p:sp>
+      <p:sp>
+        <p:nvSpPr>
+          <p:cNvPr id="6" name="Text Box 5"/>
+          <p:cNvSpPr txBox="1"/>
+          <p:nvPr/>
+        </p:nvSpPr>
+        <p:spPr>
+          <a:xfrm>
+            <a:off x="2951480" y="3846195"/>
+            <a:ext cx="541655" cy="368300"/>
+          </a:xfrm>
+          <a:prstGeom prst="rect">
+            <a:avLst/>
+          </a:prstGeom>
+          <a:noFill/>
+        </p:spPr>
+        <p:txBody>
+          <a:bodyPr wrap="square" rtlCol="0">
+            <a:spAutoFit/>
+          </a:bodyPr>
+          <a:p>
+            <a:r>
+              <a:rPr lang="en-US">
+                <a:solidFill>
+                  <a:srgbClr val="FF0000"/>
+                </a:solidFill>
+              </a:rPr>
+              <a:t>3</a:t>
+            </a:r>
+            <a:endParaRPr lang="en-US">
+              <a:solidFill>
+                <a:srgbClr val="FF0000"/>
+              </a:solidFill>
+            </a:endParaRPr>
+          </a:p>
+        </p:txBody>
+      </p:sp>
+      <p:sp>
+        <p:nvSpPr>
+          <p:cNvPr id="7" name="Text Box 6"/>
+          <p:cNvSpPr txBox="1"/>
+          <p:nvPr/>
+        </p:nvSpPr>
+        <p:spPr>
+          <a:xfrm>
+            <a:off x="2792095" y="1499870"/>
+            <a:ext cx="541655" cy="368300"/>
+          </a:xfrm>
+          <a:prstGeom prst="rect">
+            <a:avLst/>
+          </a:prstGeom>
+          <a:noFill/>
+        </p:spPr>
+        <p:txBody>
+          <a:bodyPr wrap="square" rtlCol="0">
+            <a:spAutoFit/>
+          </a:bodyPr>
+          <a:p>
+            <a:r>
+              <a:rPr lang="en-US">
+                <a:solidFill>
+                  <a:srgbClr val="FF0000"/>
+                </a:solidFill>
+              </a:rPr>
+              <a:t>2</a:t>
+            </a:r>
+            <a:endParaRPr lang="en-US">
+              <a:solidFill>
+                <a:srgbClr val="FF0000"/>
+              </a:solidFill>
+            </a:endParaRPr>
+          </a:p>
+        </p:txBody>
+      </p:sp>
+      <p:sp>
+        <p:nvSpPr>
+          <p:cNvPr id="9" name="Text Box 8"/>
+          <p:cNvSpPr txBox="1"/>
+          <p:nvPr/>
+        </p:nvSpPr>
+        <p:spPr>
+          <a:xfrm>
+            <a:off x="8583295" y="1323340"/>
+            <a:ext cx="3045460" cy="3692525"/>
+          </a:xfrm>
+          <a:prstGeom prst="rect">
+            <a:avLst/>
+          </a:prstGeom>
+          <a:noFill/>
+        </p:spPr>
+        <p:txBody>
+          <a:bodyPr wrap="square" rtlCol="0">
+            <a:spAutoFit/>
+          </a:bodyPr>
+          <a:p>
+            <a:pPr marL="285750" indent="-285750">
+              <a:buFont typeface="Wingdings" panose="05000000000000000000" charset="0"/>
+              <a:buChar char="l"/>
+            </a:pPr>
+            <a:r>
+              <a:rPr lang="zh-CN" altLang="en-US" b="1">
+                <a:sym typeface="+mn-ea"/>
+              </a:rPr>
+              <a:t>上升时间分析模块</a:t>
+            </a:r>
+            <a:endParaRPr lang="zh-CN" altLang="en-US" b="1">
+              <a:sym typeface="+mn-ea"/>
+            </a:endParaRPr>
+          </a:p>
+          <a:p>
+            <a:pPr marL="285750" indent="-285750">
+              <a:buFont typeface="Wingdings" panose="05000000000000000000" charset="0"/>
+              <a:buChar char="l"/>
+            </a:pPr>
+            <a:r>
+              <a:rPr lang="en-US" altLang="zh-CN">
+                <a:sym typeface="+mn-ea"/>
+              </a:rPr>
+              <a:t>1</a:t>
+            </a:r>
+            <a:r>
+              <a:rPr lang="zh-CN" altLang="zh-CN">
+                <a:sym typeface="+mn-ea"/>
+              </a:rPr>
+              <a:t>区功能是筛选信号波形文件</a:t>
+            </a:r>
+            <a:endParaRPr lang="zh-CN" altLang="zh-CN">
+              <a:sym typeface="+mn-ea"/>
+            </a:endParaRPr>
+          </a:p>
+          <a:p>
+            <a:pPr marL="285750" indent="-285750">
+              <a:buFont typeface="Wingdings" panose="05000000000000000000" charset="0"/>
+              <a:buChar char="l"/>
+            </a:pPr>
+            <a:r>
+              <a:rPr lang="en-US" altLang="zh-CN">
+                <a:sym typeface="+mn-ea"/>
+              </a:rPr>
+              <a:t>2</a:t>
+            </a:r>
+            <a:r>
+              <a:rPr lang="zh-CN" altLang="en-US">
+                <a:sym typeface="+mn-ea"/>
+              </a:rPr>
+              <a:t>区用于设置上升时间拟合模型，上升时间寻找区域，</a:t>
+            </a:r>
+            <a:r>
+              <a:rPr lang="en-US" altLang="zh-CN">
+                <a:sym typeface="+mn-ea"/>
+              </a:rPr>
+              <a:t> </a:t>
+            </a:r>
+            <a:r>
+              <a:rPr lang="zh-CN" altLang="en-US">
+                <a:sym typeface="+mn-ea"/>
+              </a:rPr>
+              <a:t>是否计算基线等</a:t>
+            </a:r>
+            <a:endParaRPr lang="zh-CN" altLang="en-US">
+              <a:sym typeface="+mn-ea"/>
+            </a:endParaRPr>
+          </a:p>
+          <a:p>
+            <a:pPr marL="285750" indent="-285750">
+              <a:buFont typeface="Wingdings" panose="05000000000000000000" charset="0"/>
+              <a:buChar char="l"/>
+            </a:pPr>
+            <a:r>
+              <a:rPr lang="en-US" altLang="zh-CN">
+                <a:sym typeface="+mn-ea"/>
+              </a:rPr>
+              <a:t>3</a:t>
+            </a:r>
+            <a:r>
+              <a:rPr lang="zh-CN" altLang="en-US">
+                <a:sym typeface="+mn-ea"/>
+              </a:rPr>
+              <a:t>区用于展示计算结果，主要展示各个文件的拟合优度，用于筛选不好的波形</a:t>
+            </a:r>
+            <a:endParaRPr lang="zh-CN" altLang="en-US">
+              <a:sym typeface="+mn-ea"/>
+            </a:endParaRPr>
+          </a:p>
+          <a:p>
+            <a:pPr marL="285750" indent="-285750">
+              <a:buFont typeface="Wingdings" panose="05000000000000000000" charset="0"/>
+              <a:buChar char="l"/>
+            </a:pPr>
+            <a:r>
+              <a:rPr lang="en-US" altLang="zh-CN">
+                <a:sym typeface="+mn-ea"/>
+              </a:rPr>
+              <a:t>4</a:t>
+            </a:r>
+            <a:r>
+              <a:rPr lang="zh-CN" altLang="en-US">
+                <a:sym typeface="+mn-ea"/>
+              </a:rPr>
+              <a:t>区用于展示拟合波形和上升时间分布</a:t>
+            </a:r>
+            <a:endParaRPr lang="zh-CN" altLang="en-US"/>
+          </a:p>
+          <a:p>
+            <a:endParaRPr lang="en-US"/>
+          </a:p>
+        </p:txBody>
+      </p:sp>
+    </p:spTree>
+  </p:cSld>
+  <p:clrMapOvr>
+    <a:masterClrMapping/>
+  </p:clrMapOvr>
+</p:sld>
+</file>
+
+<file path=ppt/slides/slide16.xml><?xml version="1.0" encoding="utf-8"?>
+<p:sld xmlns:a="http://schemas.openxmlformats.org/drawingml/2006/main" xmlns:r="http://schemas.openxmlformats.org/officeDocument/2006/relationships" xmlns:p="http://schemas.openxmlformats.org/presentationml/2006/main">
+  <p:cSld>
+    <p:spTree>
+      <p:nvGrpSpPr>
+        <p:cNvPr id="1" name=""/>
+        <p:cNvGrpSpPr/>
+        <p:nvPr/>
+      </p:nvGrpSpPr>
+      <p:grpSpPr/>
+      <p:pic>
+        <p:nvPicPr>
+          <p:cNvPr id="2" name="Picture 1"/>
+          <p:cNvPicPr>
+            <a:picLocks noChangeAspect="1"/>
+          </p:cNvPicPr>
+          <p:nvPr/>
+        </p:nvPicPr>
+        <p:blipFill>
+          <a:blip r:embed="rId1"/>
+          <a:stretch>
+            <a:fillRect/>
+          </a:stretch>
+        </p:blipFill>
+        <p:spPr>
+          <a:xfrm>
+            <a:off x="165735" y="231140"/>
+            <a:ext cx="9163050" cy="2981325"/>
+          </a:xfrm>
+          <a:prstGeom prst="rect">
+            <a:avLst/>
+          </a:prstGeom>
+        </p:spPr>
+      </p:pic>
+      <p:pic>
+        <p:nvPicPr>
+          <p:cNvPr id="3" name="Picture 2"/>
+          <p:cNvPicPr>
+            <a:picLocks noChangeAspect="1"/>
+          </p:cNvPicPr>
+          <p:nvPr/>
+        </p:nvPicPr>
+        <p:blipFill>
+          <a:blip r:embed="rId2"/>
+          <a:stretch>
+            <a:fillRect/>
+          </a:stretch>
+        </p:blipFill>
+        <p:spPr>
+          <a:xfrm>
+            <a:off x="4086860" y="505460"/>
+            <a:ext cx="7717155" cy="6168390"/>
+          </a:xfrm>
+          <a:prstGeom prst="rect">
+            <a:avLst/>
+          </a:prstGeom>
+        </p:spPr>
+      </p:pic>
+    </p:spTree>
+  </p:cSld>
+  <p:clrMapOvr>
+    <a:masterClrMapping/>
+  </p:clrMapOvr>
+</p:sld>
+</file>
+
+<file path=ppt/slides/slide17.xml><?xml version="1.0" encoding="utf-8"?>
+<p:sld xmlns:a="http://schemas.openxmlformats.org/drawingml/2006/main" xmlns:r="http://schemas.openxmlformats.org/officeDocument/2006/relationships" xmlns:p="http://schemas.openxmlformats.org/presentationml/2006/main">
+  <p:cSld>
+    <p:spTree>
+      <p:nvGrpSpPr>
+        <p:cNvPr id="1" name=""/>
+        <p:cNvGrpSpPr/>
+        <p:nvPr/>
+      </p:nvGrpSpPr>
+      <p:grpSpPr/>
+      <p:pic>
+        <p:nvPicPr>
+          <p:cNvPr id="2" name="Picture 1" descr="1350V"/>
+          <p:cNvPicPr>
+            <a:picLocks noChangeAspect="1"/>
+          </p:cNvPicPr>
+          <p:nvPr/>
+        </p:nvPicPr>
+        <p:blipFill>
+          <a:blip r:embed="rId1"/>
+          <a:stretch>
+            <a:fillRect/>
+          </a:stretch>
+        </p:blipFill>
+        <p:spPr>
+          <a:xfrm>
+            <a:off x="408940" y="551180"/>
+            <a:ext cx="7280910" cy="5755640"/>
+          </a:xfrm>
+          <a:prstGeom prst="rect">
+            <a:avLst/>
+          </a:prstGeom>
+        </p:spPr>
+      </p:pic>
+      <p:sp>
+        <p:nvSpPr>
+          <p:cNvPr id="3" name="Text Box 2"/>
+          <p:cNvSpPr txBox="1"/>
+          <p:nvPr/>
+        </p:nvSpPr>
+        <p:spPr>
+          <a:xfrm>
+            <a:off x="8205470" y="986155"/>
+            <a:ext cx="2840990" cy="368300"/>
+          </a:xfrm>
+          <a:prstGeom prst="rect">
+            <a:avLst/>
+          </a:prstGeom>
+          <a:noFill/>
+        </p:spPr>
+        <p:txBody>
+          <a:bodyPr wrap="square" rtlCol="0">
+            <a:spAutoFit/>
+          </a:bodyPr>
+          <a:p>
+            <a:r>
+              <a:rPr lang="zh-CN" altLang="en-US"/>
+              <a:t>积分得到的光电子谱</a:t>
+            </a:r>
+            <a:endParaRPr lang="zh-CN" altLang="en-US"/>
+          </a:p>
+        </p:txBody>
+      </p:sp>
+    </p:spTree>
+  </p:cSld>
+  <p:clrMapOvr>
+    <a:masterClrMapping/>
+  </p:clrMapOvr>
+</p:sld>
+</file>
+
+<file path=ppt/slides/slide18.xml><?xml version="1.0" encoding="utf-8"?>
+<p:sld xmlns:a="http://schemas.openxmlformats.org/drawingml/2006/main" xmlns:r="http://schemas.openxmlformats.org/officeDocument/2006/relationships" xmlns:p="http://schemas.openxmlformats.org/presentationml/2006/main">
+  <p:cSld>
+    <p:spTree>
+      <p:nvGrpSpPr>
+        <p:cNvPr id="1" name=""/>
+        <p:cNvGrpSpPr/>
+        <p:nvPr/>
+      </p:nvGrpSpPr>
+      <p:grpSpPr/>
+      <p:pic>
+        <p:nvPicPr>
+          <p:cNvPr id="2" name="Picture 1" descr="1350V"/>
+          <p:cNvPicPr>
+            <a:picLocks noChangeAspect="1"/>
+          </p:cNvPicPr>
+          <p:nvPr/>
+        </p:nvPicPr>
+        <p:blipFill>
+          <a:blip r:embed="rId1"/>
+          <a:stretch>
+            <a:fillRect/>
+          </a:stretch>
+        </p:blipFill>
+        <p:spPr>
+          <a:xfrm>
+            <a:off x="367665" y="510540"/>
+            <a:ext cx="7350760" cy="5837555"/>
+          </a:xfrm>
+          <a:prstGeom prst="rect">
+            <a:avLst/>
+          </a:prstGeom>
+        </p:spPr>
+      </p:pic>
+      <p:sp>
+        <p:nvSpPr>
+          <p:cNvPr id="3" name="Text Box 2"/>
+          <p:cNvSpPr txBox="1"/>
+          <p:nvPr/>
+        </p:nvSpPr>
+        <p:spPr>
+          <a:xfrm>
+            <a:off x="8552815" y="1190625"/>
+            <a:ext cx="2718435" cy="368300"/>
+          </a:xfrm>
+          <a:prstGeom prst="rect">
+            <a:avLst/>
+          </a:prstGeom>
+          <a:noFill/>
+        </p:spPr>
+        <p:txBody>
+          <a:bodyPr wrap="square" rtlCol="0">
+            <a:spAutoFit/>
+          </a:bodyPr>
+          <a:p>
+            <a:r>
+              <a:rPr lang="en-US"/>
+              <a:t>QDC</a:t>
+            </a:r>
+            <a:r>
+              <a:rPr lang="zh-CN" altLang="en-US"/>
+              <a:t>得到的光电子谱</a:t>
+            </a:r>
+            <a:endParaRPr lang="zh-CN" altLang="en-US"/>
+          </a:p>
+        </p:txBody>
+      </p:sp>
+    </p:spTree>
+  </p:cSld>
+  <p:clrMapOvr>
+    <a:masterClrMapping/>
+  </p:clrMapOvr>
+</p:sld>
+</file>
+
+<file path=ppt/slides/slide19.xml><?xml version="1.0" encoding="utf-8"?>
 <p:sld xmlns:a="http://schemas.openxmlformats.org/drawingml/2006/main" xmlns:r="http://schemas.openxmlformats.org/officeDocument/2006/relationships" xmlns:p="http://schemas.openxmlformats.org/presentationml/2006/main">
   <p:cSld>
     <p:spTree>
